--- a/Diaporama/Ingénierie logiciel eCours.pptx
+++ b/Diaporama/Ingénierie logiciel eCours.pptx
@@ -5,7 +5,7 @@
     <p:sldMasterId id="2147483760" r:id="rId1"/>
   </p:sldMasterIdLst>
   <p:notesMasterIdLst>
-    <p:notesMasterId r:id="rId13"/>
+    <p:notesMasterId r:id="rId14"/>
   </p:notesMasterIdLst>
   <p:sldIdLst>
     <p:sldId id="256" r:id="rId2"/>
@@ -16,9 +16,10 @@
     <p:sldId id="262" r:id="rId7"/>
     <p:sldId id="264" r:id="rId8"/>
     <p:sldId id="265" r:id="rId9"/>
-    <p:sldId id="267" r:id="rId10"/>
-    <p:sldId id="268" r:id="rId11"/>
-    <p:sldId id="263" r:id="rId12"/>
+    <p:sldId id="269" r:id="rId10"/>
+    <p:sldId id="267" r:id="rId11"/>
+    <p:sldId id="268" r:id="rId12"/>
+    <p:sldId id="263" r:id="rId13"/>
   </p:sldIdLst>
   <p:sldSz cx="12192000" cy="6858000"/>
   <p:notesSz cx="6858000" cy="9144000"/>
@@ -207,7 +208,7 @@
           <a:p>
             <a:fld id="{054A30D5-472D-40DD-B1BD-1AF87DACDD61}" type="datetimeFigureOut">
               <a:rPr lang="fr-FR" smtClean="0"/>
-              <a:t>14/10/2016</a:t>
+              <a:t>15/10/2016</a:t>
             </a:fld>
             <a:endParaRPr lang="fr-FR"/>
           </a:p>
@@ -976,7 +977,7 @@
           <a:p>
             <a:fld id="{D63AD2A5-0CB5-4AB2-84D3-953233F4AC21}" type="datetime1">
               <a:rPr lang="fr-FR" smtClean="0"/>
-              <a:t>14/10/2016</a:t>
+              <a:t>15/10/2016</a:t>
             </a:fld>
             <a:endParaRPr lang="fr-FR"/>
           </a:p>
@@ -1275,7 +1276,7 @@
           <a:p>
             <a:fld id="{12C9302A-AAE9-4536-A109-B409D187183B}" type="datetime1">
               <a:rPr lang="fr-FR" smtClean="0"/>
-              <a:t>14/10/2016</a:t>
+              <a:t>15/10/2016</a:t>
             </a:fld>
             <a:endParaRPr lang="fr-FR"/>
           </a:p>
@@ -1526,7 +1527,7 @@
           <a:p>
             <a:fld id="{77E14151-71A9-41E0-924E-22DDA7EE3283}" type="datetime1">
               <a:rPr lang="fr-FR" smtClean="0"/>
-              <a:t>14/10/2016</a:t>
+              <a:t>15/10/2016</a:t>
             </a:fld>
             <a:endParaRPr lang="fr-FR"/>
           </a:p>
@@ -2069,7 +2070,7 @@
           <a:p>
             <a:fld id="{90769830-A9A3-47BB-86D7-E72D4533FABD}" type="datetime1">
               <a:rPr lang="fr-FR" smtClean="0"/>
-              <a:t>14/10/2016</a:t>
+              <a:t>15/10/2016</a:t>
             </a:fld>
             <a:endParaRPr lang="fr-FR"/>
           </a:p>
@@ -2320,7 +2321,7 @@
           <a:p>
             <a:fld id="{9E3583D5-4AC3-4180-8894-D0EA4F1016E5}" type="datetime1">
               <a:rPr lang="fr-FR" smtClean="0"/>
-              <a:t>14/10/2016</a:t>
+              <a:t>15/10/2016</a:t>
             </a:fld>
             <a:endParaRPr lang="fr-FR"/>
           </a:p>
@@ -2855,7 +2856,7 @@
           <a:p>
             <a:fld id="{C219C4B2-94BD-4FB1-949B-F281DCE8025D}" type="datetime1">
               <a:rPr lang="fr-FR" smtClean="0"/>
-              <a:t>14/10/2016</a:t>
+              <a:t>15/10/2016</a:t>
             </a:fld>
             <a:endParaRPr lang="fr-FR"/>
           </a:p>
@@ -3155,7 +3156,7 @@
           <a:p>
             <a:fld id="{5E1411F5-96A8-4C01-B85F-FC83DAC58A89}" type="datetime1">
               <a:rPr lang="fr-FR" smtClean="0"/>
-              <a:t>14/10/2016</a:t>
+              <a:t>15/10/2016</a:t>
             </a:fld>
             <a:endParaRPr lang="fr-FR"/>
           </a:p>
@@ -3332,7 +3333,7 @@
           <a:p>
             <a:fld id="{6665AA56-B638-43E6-98EF-EC21A33317B6}" type="datetime1">
               <a:rPr lang="fr-FR" smtClean="0"/>
-              <a:t>14/10/2016</a:t>
+              <a:t>15/10/2016</a:t>
             </a:fld>
             <a:endParaRPr lang="fr-FR"/>
           </a:p>
@@ -3515,7 +3516,7 @@
           <a:p>
             <a:fld id="{3FF9993C-20E6-4CF8-BE13-81D80D70A8DD}" type="datetime1">
               <a:rPr lang="fr-FR" smtClean="0"/>
-              <a:t>14/10/2016</a:t>
+              <a:t>15/10/2016</a:t>
             </a:fld>
             <a:endParaRPr lang="fr-FR"/>
           </a:p>
@@ -3688,7 +3689,7 @@
           <a:p>
             <a:fld id="{DB8F5829-202D-41D2-9632-338867C33E5B}" type="datetime1">
               <a:rPr lang="fr-FR" smtClean="0"/>
-              <a:t>14/10/2016</a:t>
+              <a:t>15/10/2016</a:t>
             </a:fld>
             <a:endParaRPr lang="fr-FR"/>
           </a:p>
@@ -3942,7 +3943,7 @@
           <a:p>
             <a:fld id="{36425807-80AC-4208-ADD3-25753D4F3479}" type="datetime1">
               <a:rPr lang="fr-FR" smtClean="0"/>
-              <a:t>14/10/2016</a:t>
+              <a:t>15/10/2016</a:t>
             </a:fld>
             <a:endParaRPr lang="fr-FR"/>
           </a:p>
@@ -4242,7 +4243,7 @@
           <a:p>
             <a:fld id="{03598DBA-F4F7-4C1D-8EC6-80A50B7DAB2C}" type="datetime1">
               <a:rPr lang="fr-FR" smtClean="0"/>
-              <a:t>14/10/2016</a:t>
+              <a:t>15/10/2016</a:t>
             </a:fld>
             <a:endParaRPr lang="fr-FR"/>
           </a:p>
@@ -4687,7 +4688,7 @@
           <a:p>
             <a:fld id="{CC3A9E0B-0BD0-47E4-B4C5-604AE897DD18}" type="datetime1">
               <a:rPr lang="fr-FR" smtClean="0"/>
-              <a:t>14/10/2016</a:t>
+              <a:t>15/10/2016</a:t>
             </a:fld>
             <a:endParaRPr lang="fr-FR"/>
           </a:p>
@@ -4808,7 +4809,7 @@
           <a:p>
             <a:fld id="{146C4659-CF70-40A3-A68C-DC119481BF35}" type="datetime1">
               <a:rPr lang="fr-FR" smtClean="0"/>
-              <a:t>14/10/2016</a:t>
+              <a:t>15/10/2016</a:t>
             </a:fld>
             <a:endParaRPr lang="fr-FR"/>
           </a:p>
@@ -4906,7 +4907,7 @@
           <a:p>
             <a:fld id="{B2282A05-46BF-4A85-9EF9-9B223914560B}" type="datetime1">
               <a:rPr lang="fr-FR" smtClean="0"/>
-              <a:t>14/10/2016</a:t>
+              <a:t>15/10/2016</a:t>
             </a:fld>
             <a:endParaRPr lang="fr-FR"/>
           </a:p>
@@ -5192,7 +5193,7 @@
           <a:p>
             <a:fld id="{23B31E01-4CF3-4DC2-B8A1-4EBE55C75DB6}" type="datetime1">
               <a:rPr lang="fr-FR" smtClean="0"/>
-              <a:t>14/10/2016</a:t>
+              <a:t>15/10/2016</a:t>
             </a:fld>
             <a:endParaRPr lang="fr-FR"/>
           </a:p>
@@ -5486,7 +5487,7 @@
           <a:p>
             <a:fld id="{7D9AD2AE-5C02-4B49-A199-DA480AD18794}" type="datetime1">
               <a:rPr lang="fr-FR" smtClean="0"/>
-              <a:t>14/10/2016</a:t>
+              <a:t>15/10/2016</a:t>
             </a:fld>
             <a:endParaRPr lang="fr-FR"/>
           </a:p>
@@ -6019,7 +6020,7 @@
           <a:p>
             <a:fld id="{CE65242D-76D5-4E5F-8A2A-945D029A1C5D}" type="datetime1">
               <a:rPr lang="fr-FR" smtClean="0"/>
-              <a:t>14/10/2016</a:t>
+              <a:t>15/10/2016</a:t>
             </a:fld>
             <a:endParaRPr lang="fr-FR"/>
           </a:p>
@@ -6578,7 +6579,7 @@
           <a:p>
             <a:r>
               <a:rPr lang="fr-FR" b="1" dirty="0"/>
-              <a:t>Ingénierie logiciel </a:t>
+              <a:t>Ingénierie Logiciel </a:t>
             </a:r>
             <a:endParaRPr lang="fr-FR" dirty="0"/>
           </a:p>
@@ -6656,6 +6657,47 @@
           </a:p>
         </p:txBody>
       </p:sp>
+      <p:pic>
+        <p:nvPicPr>
+          <p:cNvPr id="1026" name="Picture 2" descr="Afficher l'image d'origine"/>
+          <p:cNvPicPr>
+            <a:picLocks noChangeAspect="1" noChangeArrowheads="1"/>
+          </p:cNvPicPr>
+          <p:nvPr/>
+        </p:nvPicPr>
+        <p:blipFill>
+          <a:blip r:embed="rId2">
+            <a:extLst>
+              <a:ext uri="{28A0092B-C50C-407E-A947-70E740481C1C}">
+                <a14:useLocalDpi xmlns:a14="http://schemas.microsoft.com/office/drawing/2010/main" val="0"/>
+              </a:ext>
+            </a:extLst>
+          </a:blip>
+          <a:srcRect/>
+          <a:stretch>
+            <a:fillRect/>
+          </a:stretch>
+        </p:blipFill>
+        <p:spPr bwMode="auto">
+          <a:xfrm>
+            <a:off x="9004271" y="0"/>
+            <a:ext cx="3187729" cy="1071477"/>
+          </a:xfrm>
+          <a:prstGeom prst="rect">
+            <a:avLst/>
+          </a:prstGeom>
+          <a:noFill/>
+          <a:extLst>
+            <a:ext uri="{909E8E84-426E-40DD-AFC4-6F175D3DCCD1}">
+              <a14:hiddenFill xmlns:a14="http://schemas.microsoft.com/office/drawing/2010/main">
+                <a:solidFill>
+                  <a:srgbClr val="FFFFFF"/>
+                </a:solidFill>
+              </a14:hiddenFill>
+            </a:ext>
+          </a:extLst>
+        </p:spPr>
+      </p:pic>
     </p:spTree>
     <p:extLst>
       <p:ext uri="{BB962C8B-B14F-4D97-AF65-F5344CB8AC3E}">
@@ -6696,7 +6738,128 @@
             <p:ph type="title"/>
           </p:nvPr>
         </p:nvSpPr>
+        <p:spPr>
+          <a:xfrm>
+            <a:off x="1517866" y="0"/>
+            <a:ext cx="10018713" cy="1752599"/>
+          </a:xfrm>
+        </p:spPr>
+        <p:txBody>
+          <a:bodyPr>
+            <a:normAutofit fontScale="90000"/>
+          </a:bodyPr>
+          <a:lstStyle/>
+          <a:p>
+            <a:r>
+              <a:rPr lang="fr-FR" b="1" dirty="0"/>
+              <a:t>Diagramme de séquence Poster Commentaire</a:t>
+            </a:r>
+            <a:br>
+              <a:rPr lang="fr-FR" b="1" dirty="0"/>
+            </a:br>
+            <a:endParaRPr lang="fr-FR" dirty="0"/>
+          </a:p>
+        </p:txBody>
+      </p:sp>
+      <p:sp>
+        <p:nvSpPr>
+          <p:cNvPr id="4" name="Espace réservé du pied de page 3"/>
+          <p:cNvSpPr>
+            <a:spLocks noGrp="1"/>
+          </p:cNvSpPr>
+          <p:nvPr>
+            <p:ph type="ftr" sz="quarter" idx="11"/>
+          </p:nvPr>
+        </p:nvSpPr>
         <p:spPr/>
+        <p:txBody>
+          <a:bodyPr/>
+          <a:lstStyle/>
+          <a:p>
+            <a:r>
+              <a:rPr lang="fr-FR" sz="1200" dirty="0" err="1">
+                <a:latin typeface="Arial Black" panose="020B0A04020102020204" pitchFamily="34" charset="0"/>
+              </a:rPr>
+              <a:t>CodeFactory</a:t>
+            </a:r>
+            <a:endParaRPr lang="fr-FR" dirty="0">
+              <a:latin typeface="Arial Black" panose="020B0A04020102020204" pitchFamily="34" charset="0"/>
+            </a:endParaRPr>
+          </a:p>
+        </p:txBody>
+      </p:sp>
+      <p:pic>
+        <p:nvPicPr>
+          <p:cNvPr id="5" name="Espace réservé du contenu 4"/>
+          <p:cNvPicPr>
+            <a:picLocks noGrp="1" noChangeAspect="1"/>
+          </p:cNvPicPr>
+          <p:nvPr>
+            <p:ph idx="1"/>
+          </p:nvPr>
+        </p:nvPicPr>
+        <p:blipFill>
+          <a:blip r:embed="rId2"/>
+          <a:stretch>
+            <a:fillRect/>
+          </a:stretch>
+        </p:blipFill>
+        <p:spPr>
+          <a:xfrm>
+            <a:off x="3120706" y="1615364"/>
+            <a:ext cx="5388816" cy="4175836"/>
+          </a:xfrm>
+          <a:prstGeom prst="rect">
+            <a:avLst/>
+          </a:prstGeom>
+        </p:spPr>
+      </p:pic>
+    </p:spTree>
+    <p:extLst>
+      <p:ext uri="{BB962C8B-B14F-4D97-AF65-F5344CB8AC3E}">
+        <p14:creationId xmlns:p14="http://schemas.microsoft.com/office/powerpoint/2010/main" val="4160757304"/>
+      </p:ext>
+    </p:extLst>
+  </p:cSld>
+  <p:clrMapOvr>
+    <a:masterClrMapping/>
+  </p:clrMapOvr>
+</p:sld>
+</file>
+
+<file path=ppt/slides/slide11.xml><?xml version="1.0" encoding="utf-8"?>
+<p:sld xmlns:a="http://schemas.openxmlformats.org/drawingml/2006/main" xmlns:r="http://schemas.openxmlformats.org/officeDocument/2006/relationships" xmlns:p="http://schemas.openxmlformats.org/presentationml/2006/main">
+  <p:cSld>
+    <p:spTree>
+      <p:nvGrpSpPr>
+        <p:cNvPr id="1" name=""/>
+        <p:cNvGrpSpPr/>
+        <p:nvPr/>
+      </p:nvGrpSpPr>
+      <p:grpSpPr>
+        <a:xfrm>
+          <a:off x="0" y="0"/>
+          <a:ext cx="0" cy="0"/>
+          <a:chOff x="0" y="0"/>
+          <a:chExt cx="0" cy="0"/>
+        </a:xfrm>
+      </p:grpSpPr>
+      <p:sp>
+        <p:nvSpPr>
+          <p:cNvPr id="2" name="Titre 1"/>
+          <p:cNvSpPr>
+            <a:spLocks noGrp="1"/>
+          </p:cNvSpPr>
+          <p:nvPr>
+            <p:ph type="title"/>
+          </p:nvPr>
+        </p:nvSpPr>
+        <p:spPr>
+          <a:xfrm>
+            <a:off x="1484311" y="0"/>
+            <a:ext cx="10018713" cy="1752599"/>
+          </a:xfrm>
+        </p:spPr>
         <p:txBody>
           <a:bodyPr>
             <a:normAutofit/>
@@ -6751,7 +6914,7 @@
             <p:ph idx="1"/>
             <p:extLst>
               <p:ext uri="{D42A27DB-BD31-4B8C-83A1-F6EECF244321}">
-                <p14:modId xmlns:p14="http://schemas.microsoft.com/office/powerpoint/2010/main" val="507344542"/>
+                <p14:modId xmlns:p14="http://schemas.microsoft.com/office/powerpoint/2010/main" val="1156664020"/>
               </p:ext>
             </p:extLst>
           </p:nvPr>
@@ -6959,7 +7122,6 @@
                         <a:rPr lang="fr-FR" dirty="0"/>
                         <a:t>Entrée</a:t>
                       </a:r>
-                      <a:endParaRPr lang="fr-FR" dirty="0"/>
                     </a:p>
                   </a:txBody>
                   <a:tcPr/>
@@ -7076,7 +7238,7 @@
                         <a:rPr lang="fr-FR" sz="1800" kern="1200" dirty="0">
                           <a:effectLst/>
                         </a:rPr>
-                        <a:t>Le testeur résous le </a:t>
+                        <a:t>Le testeur résout le </a:t>
                       </a:r>
                       <a:r>
                         <a:rPr lang="fr-FR" sz="1800" kern="1200" dirty="0" err="1">
@@ -7301,7 +7463,7 @@
 </p:sld>
 </file>
 
-<file path=ppt/slides/slide11.xml><?xml version="1.0" encoding="utf-8"?>
+<file path=ppt/slides/slide12.xml><?xml version="1.0" encoding="utf-8"?>
 <p:sld xmlns:a="http://schemas.openxmlformats.org/drawingml/2006/main" xmlns:r="http://schemas.openxmlformats.org/officeDocument/2006/relationships" xmlns:p="http://schemas.openxmlformats.org/presentationml/2006/main">
   <p:cSld>
     <p:spTree>
@@ -7384,7 +7546,7 @@
         </p:blipFill>
         <p:spPr>
           <a:xfrm>
-            <a:off x="2692866" y="664861"/>
+            <a:off x="3381076" y="685800"/>
             <a:ext cx="5466582" cy="5126339"/>
           </a:xfrm>
           <a:prstGeom prst="rect">
@@ -7432,7 +7594,12 @@
             <p:ph type="title"/>
           </p:nvPr>
         </p:nvSpPr>
-        <p:spPr/>
+        <p:spPr>
+          <a:xfrm>
+            <a:off x="1417200" y="0"/>
+            <a:ext cx="10018713" cy="1752599"/>
+          </a:xfrm>
+        </p:spPr>
         <p:txBody>
           <a:bodyPr>
             <a:normAutofit/>
@@ -7457,7 +7624,12 @@
             <p:ph idx="1"/>
           </p:nvPr>
         </p:nvSpPr>
-        <p:spPr/>
+        <p:spPr>
+          <a:xfrm>
+            <a:off x="1417200" y="1752599"/>
+            <a:ext cx="10018713" cy="3124201"/>
+          </a:xfrm>
+        </p:spPr>
         <p:txBody>
           <a:bodyPr/>
           <a:lstStyle/>
@@ -7612,7 +7784,12 @@
             <p:ph type="title"/>
           </p:nvPr>
         </p:nvSpPr>
-        <p:spPr/>
+        <p:spPr>
+          <a:xfrm>
+            <a:off x="1369218" y="0"/>
+            <a:ext cx="10018713" cy="1752599"/>
+          </a:xfrm>
+        </p:spPr>
         <p:txBody>
           <a:bodyPr>
             <a:normAutofit/>
@@ -7672,7 +7849,7 @@
         </p:blipFill>
         <p:spPr>
           <a:xfrm>
-            <a:off x="6607175" y="3002747"/>
+            <a:off x="6657509" y="2448495"/>
             <a:ext cx="4895850" cy="2452706"/>
           </a:xfrm>
           <a:prstGeom prst="rect">
@@ -7698,7 +7875,7 @@
         </p:blipFill>
         <p:spPr>
           <a:xfrm>
-            <a:off x="1484313" y="2977001"/>
+            <a:off x="1484312" y="2448495"/>
             <a:ext cx="4894262" cy="2504197"/>
           </a:xfrm>
           <a:prstGeom prst="rect">
@@ -7748,7 +7925,7 @@
         </p:nvSpPr>
         <p:spPr>
           <a:xfrm>
-            <a:off x="1383643" y="237710"/>
+            <a:off x="1358476" y="0"/>
             <a:ext cx="10018713" cy="1752599"/>
           </a:xfrm>
         </p:spPr>
@@ -7795,7 +7972,7 @@
       </p:sp>
       <p:pic>
         <p:nvPicPr>
-          <p:cNvPr id="9" name="Espace réservé du contenu 8"/>
+          <p:cNvPr id="5" name="Espace réservé du contenu 4"/>
           <p:cNvPicPr>
             <a:picLocks noGrp="1" noChangeAspect="1"/>
           </p:cNvPicPr>
@@ -7811,8 +7988,8 @@
         </p:blipFill>
         <p:spPr>
           <a:xfrm>
-            <a:off x="4077050" y="1575801"/>
-            <a:ext cx="4160939" cy="4568454"/>
+            <a:off x="3204594" y="1366804"/>
+            <a:ext cx="5548116" cy="4390841"/>
           </a:xfrm>
           <a:prstGeom prst="rect">
             <a:avLst/>
@@ -7859,7 +8036,12 @@
             <p:ph type="title"/>
           </p:nvPr>
         </p:nvSpPr>
-        <p:spPr/>
+        <p:spPr>
+          <a:xfrm>
+            <a:off x="1450755" y="0"/>
+            <a:ext cx="10018713" cy="1752599"/>
+          </a:xfrm>
+        </p:spPr>
         <p:txBody>
           <a:bodyPr>
             <a:normAutofit/>
@@ -7970,7 +8152,12 @@
             <p:ph type="title"/>
           </p:nvPr>
         </p:nvSpPr>
-        <p:spPr/>
+        <p:spPr>
+          <a:xfrm>
+            <a:off x="1358476" y="0"/>
+            <a:ext cx="10018713" cy="1752599"/>
+          </a:xfrm>
+        </p:spPr>
         <p:txBody>
           <a:bodyPr>
             <a:normAutofit/>
@@ -8012,25 +8199,32 @@
           </a:p>
         </p:txBody>
       </p:sp>
-      <p:sp>
-        <p:nvSpPr>
-          <p:cNvPr id="3" name="Espace réservé du contenu 2"/>
-          <p:cNvSpPr>
-            <a:spLocks noGrp="1"/>
-          </p:cNvSpPr>
+      <p:pic>
+        <p:nvPicPr>
+          <p:cNvPr id="5" name="Espace réservé du contenu 4"/>
+          <p:cNvPicPr>
+            <a:picLocks noGrp="1" noChangeAspect="1"/>
+          </p:cNvPicPr>
           <p:nvPr>
             <p:ph idx="1"/>
           </p:nvPr>
-        </p:nvSpPr>
-        <p:spPr/>
-        <p:txBody>
-          <a:bodyPr/>
-          <a:lstStyle/>
-          <a:p>
-            <a:endParaRPr lang="fr-FR"/>
-          </a:p>
-        </p:txBody>
-      </p:sp>
+        </p:nvPicPr>
+        <p:blipFill>
+          <a:blip r:embed="rId2"/>
+          <a:stretch>
+            <a:fillRect/>
+          </a:stretch>
+        </p:blipFill>
+        <p:spPr>
+          <a:xfrm>
+            <a:off x="4127384" y="1466113"/>
+            <a:ext cx="4322892" cy="4165696"/>
+          </a:xfrm>
+          <a:prstGeom prst="rect">
+            <a:avLst/>
+          </a:prstGeom>
+        </p:spPr>
+      </p:pic>
     </p:spTree>
     <p:extLst>
       <p:ext uri="{BB962C8B-B14F-4D97-AF65-F5344CB8AC3E}">
@@ -8071,7 +8265,12 @@
             <p:ph type="title"/>
           </p:nvPr>
         </p:nvSpPr>
-        <p:spPr/>
+        <p:spPr>
+          <a:xfrm>
+            <a:off x="1408809" y="0"/>
+            <a:ext cx="10018713" cy="1752599"/>
+          </a:xfrm>
+        </p:spPr>
         <p:txBody>
           <a:bodyPr>
             <a:normAutofit/>
@@ -8113,25 +8312,32 @@
           </a:p>
         </p:txBody>
       </p:sp>
-      <p:sp>
-        <p:nvSpPr>
-          <p:cNvPr id="7" name="Espace réservé du contenu 6"/>
-          <p:cNvSpPr>
-            <a:spLocks noGrp="1"/>
-          </p:cNvSpPr>
+      <p:pic>
+        <p:nvPicPr>
+          <p:cNvPr id="3" name="Espace réservé du contenu 2"/>
+          <p:cNvPicPr>
+            <a:picLocks noGrp="1" noChangeAspect="1"/>
+          </p:cNvPicPr>
           <p:nvPr>
             <p:ph idx="1"/>
           </p:nvPr>
-        </p:nvSpPr>
-        <p:spPr/>
-        <p:txBody>
-          <a:bodyPr/>
-          <a:lstStyle/>
-          <a:p>
-            <a:endParaRPr lang="fr-FR"/>
-          </a:p>
-        </p:txBody>
-      </p:sp>
+        </p:nvPicPr>
+        <p:blipFill>
+          <a:blip r:embed="rId2"/>
+          <a:stretch>
+            <a:fillRect/>
+          </a:stretch>
+        </p:blipFill>
+        <p:spPr>
+          <a:xfrm>
+            <a:off x="3691156" y="1172774"/>
+            <a:ext cx="4234888" cy="4618426"/>
+          </a:xfrm>
+          <a:prstGeom prst="rect">
+            <a:avLst/>
+          </a:prstGeom>
+        </p:spPr>
+      </p:pic>
     </p:spTree>
     <p:extLst>
       <p:ext uri="{BB962C8B-B14F-4D97-AF65-F5344CB8AC3E}">
@@ -8172,7 +8378,12 @@
             <p:ph type="title"/>
           </p:nvPr>
         </p:nvSpPr>
-        <p:spPr/>
+        <p:spPr>
+          <a:xfrm>
+            <a:off x="1484311" y="0"/>
+            <a:ext cx="10018713" cy="1752599"/>
+          </a:xfrm>
+        </p:spPr>
         <p:txBody>
           <a:bodyPr>
             <a:normAutofit/>
@@ -8283,16 +8494,21 @@
             <p:ph type="title"/>
           </p:nvPr>
         </p:nvSpPr>
-        <p:spPr/>
+        <p:spPr>
+          <a:xfrm>
+            <a:off x="1484312" y="-7936"/>
+            <a:ext cx="10018713" cy="1752599"/>
+          </a:xfrm>
+        </p:spPr>
         <p:txBody>
           <a:bodyPr>
-            <a:normAutofit fontScale="90000"/>
+            <a:normAutofit/>
           </a:bodyPr>
           <a:lstStyle/>
           <a:p>
             <a:r>
               <a:rPr lang="fr-FR" b="1" dirty="0"/>
-              <a:t>Diagramme de séquence Poster Commentaire</a:t>
+              <a:t>Diagramme de séquence Gérer support</a:t>
             </a:r>
             <a:br>
               <a:rPr lang="fr-FR" b="1" dirty="0"/>
@@ -8330,7 +8546,7 @@
       </p:sp>
       <p:pic>
         <p:nvPicPr>
-          <p:cNvPr id="5" name="Espace réservé du contenu 4"/>
+          <p:cNvPr id="6" name="Espace réservé du contenu 4"/>
           <p:cNvPicPr>
             <a:picLocks noGrp="1" noChangeAspect="1"/>
           </p:cNvPicPr>
@@ -8346,8 +8562,8 @@
         </p:blipFill>
         <p:spPr>
           <a:xfrm>
-            <a:off x="3120706" y="1615364"/>
-            <a:ext cx="5388816" cy="4175836"/>
+            <a:off x="2572279" y="1024665"/>
+            <a:ext cx="6344496" cy="4540033"/>
           </a:xfrm>
           <a:prstGeom prst="rect">
             <a:avLst/>
@@ -8357,7 +8573,7 @@
     </p:spTree>
     <p:extLst>
       <p:ext uri="{BB962C8B-B14F-4D97-AF65-F5344CB8AC3E}">
-        <p14:creationId xmlns:p14="http://schemas.microsoft.com/office/powerpoint/2010/main" val="4160757304"/>
+        <p14:creationId xmlns:p14="http://schemas.microsoft.com/office/powerpoint/2010/main" val="1685764009"/>
       </p:ext>
     </p:extLst>
   </p:cSld>
